--- a/ppt 16-9/0393.若.pptx
+++ b/ppt 16-9/0393.若.pptx
@@ -129,7 +129,7 @@
           <p:cNvPr id="2" name="标题 1">
             <a:extLst>
               <a:ext uri="{FF2B5EF4-FFF2-40B4-BE49-F238E27FC236}">
-                <a16:creationId xmlns:a16="http://schemas.microsoft.com/office/drawing/2014/main" id="{8A6382DF-1997-9D2B-16FB-B286E2069174}"/>
+                <a16:creationId xmlns:a16="http://schemas.microsoft.com/office/drawing/2014/main" id="{F4DDF2BF-318C-45EF-0A3D-FEBC987297DE}"/>
               </a:ext>
             </a:extLst>
           </p:cNvPr>
@@ -166,7 +166,7 @@
           <p:cNvPr id="3" name="副标题 2">
             <a:extLst>
               <a:ext uri="{FF2B5EF4-FFF2-40B4-BE49-F238E27FC236}">
-                <a16:creationId xmlns:a16="http://schemas.microsoft.com/office/drawing/2014/main" id="{BD14500A-58F8-B277-6D00-C46C4373424A}"/>
+                <a16:creationId xmlns:a16="http://schemas.microsoft.com/office/drawing/2014/main" id="{29885FAF-D19D-7ADC-B910-DE76AD097924}"/>
               </a:ext>
             </a:extLst>
           </p:cNvPr>
@@ -236,7 +236,7 @@
           <p:cNvPr id="4" name="日期占位符 3">
             <a:extLst>
               <a:ext uri="{FF2B5EF4-FFF2-40B4-BE49-F238E27FC236}">
-                <a16:creationId xmlns:a16="http://schemas.microsoft.com/office/drawing/2014/main" id="{E961EA1F-6C8C-8ACC-07D3-AFD3F823AC8D}"/>
+                <a16:creationId xmlns:a16="http://schemas.microsoft.com/office/drawing/2014/main" id="{D0706580-9E38-54E9-C6B6-EDFA59F4A570}"/>
               </a:ext>
             </a:extLst>
           </p:cNvPr>
@@ -252,7 +252,7 @@
           <a:bodyPr/>
           <a:lstStyle/>
           <a:p>
-            <a:fld id="{9BB246BC-5735-476B-BF41-A7FB57B58840}" type="datetimeFigureOut">
+            <a:fld id="{23C0CEAE-D9A3-43F3-909D-C134456CA0D7}" type="datetimeFigureOut">
               <a:rPr lang="zh-CN" altLang="en-US" smtClean="0"/>
               <a:t>2024/3/10</a:t>
             </a:fld>
@@ -265,7 +265,7 @@
           <p:cNvPr id="5" name="页脚占位符 4">
             <a:extLst>
               <a:ext uri="{FF2B5EF4-FFF2-40B4-BE49-F238E27FC236}">
-                <a16:creationId xmlns:a16="http://schemas.microsoft.com/office/drawing/2014/main" id="{605E323A-34B9-2B38-EE3C-D85FDC8BE8DE}"/>
+                <a16:creationId xmlns:a16="http://schemas.microsoft.com/office/drawing/2014/main" id="{01DD4337-1D6E-4E06-7721-F3EFDC5CF682}"/>
               </a:ext>
             </a:extLst>
           </p:cNvPr>
@@ -290,7 +290,7 @@
           <p:cNvPr id="6" name="灯片编号占位符 5">
             <a:extLst>
               <a:ext uri="{FF2B5EF4-FFF2-40B4-BE49-F238E27FC236}">
-                <a16:creationId xmlns:a16="http://schemas.microsoft.com/office/drawing/2014/main" id="{7378A3F2-5086-CAC2-5677-BC79057D9920}"/>
+                <a16:creationId xmlns:a16="http://schemas.microsoft.com/office/drawing/2014/main" id="{D661EA6D-79D4-9973-E079-99531E4FC0A8}"/>
               </a:ext>
             </a:extLst>
           </p:cNvPr>
@@ -306,7 +306,7 @@
           <a:bodyPr/>
           <a:lstStyle/>
           <a:p>
-            <a:fld id="{6E06647B-775C-412D-9E30-CB7CC3FDB70E}" type="slidenum">
+            <a:fld id="{A80E24B3-0E9F-4828-9080-291241CD2A3E}" type="slidenum">
               <a:rPr lang="zh-CN" altLang="en-US" smtClean="0"/>
               <a:t>‹#›</a:t>
             </a:fld>
@@ -317,7 +317,7 @@
     </p:spTree>
     <p:extLst>
       <p:ext uri="{BB962C8B-B14F-4D97-AF65-F5344CB8AC3E}">
-        <p14:creationId xmlns:p14="http://schemas.microsoft.com/office/powerpoint/2010/main" val="3802826049"/>
+        <p14:creationId xmlns:p14="http://schemas.microsoft.com/office/powerpoint/2010/main" val="537819640"/>
       </p:ext>
     </p:extLst>
   </p:cSld>
@@ -349,7 +349,7 @@
           <p:cNvPr id="2" name="标题 1">
             <a:extLst>
               <a:ext uri="{FF2B5EF4-FFF2-40B4-BE49-F238E27FC236}">
-                <a16:creationId xmlns:a16="http://schemas.microsoft.com/office/drawing/2014/main" id="{30D9310D-8C26-1E76-1184-7598433A92E3}"/>
+                <a16:creationId xmlns:a16="http://schemas.microsoft.com/office/drawing/2014/main" id="{C7F33B77-1617-4EF1-E053-B1C7154BAE52}"/>
               </a:ext>
             </a:extLst>
           </p:cNvPr>
@@ -377,7 +377,7 @@
           <p:cNvPr id="3" name="竖排文字占位符 2">
             <a:extLst>
               <a:ext uri="{FF2B5EF4-FFF2-40B4-BE49-F238E27FC236}">
-                <a16:creationId xmlns:a16="http://schemas.microsoft.com/office/drawing/2014/main" id="{115237E7-65FF-48D8-92CD-49BD6BCC2CAA}"/>
+                <a16:creationId xmlns:a16="http://schemas.microsoft.com/office/drawing/2014/main" id="{3413F6B5-4F53-9307-BEC2-12EE378F7948}"/>
               </a:ext>
             </a:extLst>
           </p:cNvPr>
@@ -434,7 +434,7 @@
           <p:cNvPr id="4" name="日期占位符 3">
             <a:extLst>
               <a:ext uri="{FF2B5EF4-FFF2-40B4-BE49-F238E27FC236}">
-                <a16:creationId xmlns:a16="http://schemas.microsoft.com/office/drawing/2014/main" id="{12422E4C-94F7-096B-0715-0574F6421218}"/>
+                <a16:creationId xmlns:a16="http://schemas.microsoft.com/office/drawing/2014/main" id="{54CC48E9-7B56-6BCA-44C4-ACDB9D0F90D2}"/>
               </a:ext>
             </a:extLst>
           </p:cNvPr>
@@ -450,7 +450,7 @@
           <a:bodyPr/>
           <a:lstStyle/>
           <a:p>
-            <a:fld id="{9BB246BC-5735-476B-BF41-A7FB57B58840}" type="datetimeFigureOut">
+            <a:fld id="{23C0CEAE-D9A3-43F3-909D-C134456CA0D7}" type="datetimeFigureOut">
               <a:rPr lang="zh-CN" altLang="en-US" smtClean="0"/>
               <a:t>2024/3/10</a:t>
             </a:fld>
@@ -463,7 +463,7 @@
           <p:cNvPr id="5" name="页脚占位符 4">
             <a:extLst>
               <a:ext uri="{FF2B5EF4-FFF2-40B4-BE49-F238E27FC236}">
-                <a16:creationId xmlns:a16="http://schemas.microsoft.com/office/drawing/2014/main" id="{A2F8A664-74E1-A96D-81C1-90C9BAB0C986}"/>
+                <a16:creationId xmlns:a16="http://schemas.microsoft.com/office/drawing/2014/main" id="{7C1C906B-7AAA-FAE7-570B-C7093A3E44C7}"/>
               </a:ext>
             </a:extLst>
           </p:cNvPr>
@@ -488,7 +488,7 @@
           <p:cNvPr id="6" name="灯片编号占位符 5">
             <a:extLst>
               <a:ext uri="{FF2B5EF4-FFF2-40B4-BE49-F238E27FC236}">
-                <a16:creationId xmlns:a16="http://schemas.microsoft.com/office/drawing/2014/main" id="{C53BB03F-032C-70D0-46B0-81453EF7B992}"/>
+                <a16:creationId xmlns:a16="http://schemas.microsoft.com/office/drawing/2014/main" id="{419497F2-1977-D229-92A4-A81375A070AF}"/>
               </a:ext>
             </a:extLst>
           </p:cNvPr>
@@ -504,7 +504,7 @@
           <a:bodyPr/>
           <a:lstStyle/>
           <a:p>
-            <a:fld id="{6E06647B-775C-412D-9E30-CB7CC3FDB70E}" type="slidenum">
+            <a:fld id="{A80E24B3-0E9F-4828-9080-291241CD2A3E}" type="slidenum">
               <a:rPr lang="zh-CN" altLang="en-US" smtClean="0"/>
               <a:t>‹#›</a:t>
             </a:fld>
@@ -515,7 +515,7 @@
     </p:spTree>
     <p:extLst>
       <p:ext uri="{BB962C8B-B14F-4D97-AF65-F5344CB8AC3E}">
-        <p14:creationId xmlns:p14="http://schemas.microsoft.com/office/powerpoint/2010/main" val="457244389"/>
+        <p14:creationId xmlns:p14="http://schemas.microsoft.com/office/powerpoint/2010/main" val="137588373"/>
       </p:ext>
     </p:extLst>
   </p:cSld>
@@ -547,7 +547,7 @@
           <p:cNvPr id="2" name="竖排标题 1">
             <a:extLst>
               <a:ext uri="{FF2B5EF4-FFF2-40B4-BE49-F238E27FC236}">
-                <a16:creationId xmlns:a16="http://schemas.microsoft.com/office/drawing/2014/main" id="{6FD97CD2-D60D-59DC-492E-E895B830FF1B}"/>
+                <a16:creationId xmlns:a16="http://schemas.microsoft.com/office/drawing/2014/main" id="{F6F82CBD-505E-98AB-EFAC-9F7E3D37DDC5}"/>
               </a:ext>
             </a:extLst>
           </p:cNvPr>
@@ -580,7 +580,7 @@
           <p:cNvPr id="3" name="竖排文字占位符 2">
             <a:extLst>
               <a:ext uri="{FF2B5EF4-FFF2-40B4-BE49-F238E27FC236}">
-                <a16:creationId xmlns:a16="http://schemas.microsoft.com/office/drawing/2014/main" id="{A06F5169-36B5-E8DD-0466-95B3188A4F62}"/>
+                <a16:creationId xmlns:a16="http://schemas.microsoft.com/office/drawing/2014/main" id="{AA4CC97D-E788-D5FF-CD17-C7D7EB3B351E}"/>
               </a:ext>
             </a:extLst>
           </p:cNvPr>
@@ -642,7 +642,7 @@
           <p:cNvPr id="4" name="日期占位符 3">
             <a:extLst>
               <a:ext uri="{FF2B5EF4-FFF2-40B4-BE49-F238E27FC236}">
-                <a16:creationId xmlns:a16="http://schemas.microsoft.com/office/drawing/2014/main" id="{9AC6008E-9ACB-CD01-3AF5-3EB791A67ABA}"/>
+                <a16:creationId xmlns:a16="http://schemas.microsoft.com/office/drawing/2014/main" id="{A3142D30-A43A-8310-98AC-CE72796C7303}"/>
               </a:ext>
             </a:extLst>
           </p:cNvPr>
@@ -658,7 +658,7 @@
           <a:bodyPr/>
           <a:lstStyle/>
           <a:p>
-            <a:fld id="{9BB246BC-5735-476B-BF41-A7FB57B58840}" type="datetimeFigureOut">
+            <a:fld id="{23C0CEAE-D9A3-43F3-909D-C134456CA0D7}" type="datetimeFigureOut">
               <a:rPr lang="zh-CN" altLang="en-US" smtClean="0"/>
               <a:t>2024/3/10</a:t>
             </a:fld>
@@ -671,7 +671,7 @@
           <p:cNvPr id="5" name="页脚占位符 4">
             <a:extLst>
               <a:ext uri="{FF2B5EF4-FFF2-40B4-BE49-F238E27FC236}">
-                <a16:creationId xmlns:a16="http://schemas.microsoft.com/office/drawing/2014/main" id="{E49A5750-1533-B289-7815-07F2E4DF1F38}"/>
+                <a16:creationId xmlns:a16="http://schemas.microsoft.com/office/drawing/2014/main" id="{03D09249-D34A-C872-3D40-2AAA8283FF30}"/>
               </a:ext>
             </a:extLst>
           </p:cNvPr>
@@ -696,7 +696,7 @@
           <p:cNvPr id="6" name="灯片编号占位符 5">
             <a:extLst>
               <a:ext uri="{FF2B5EF4-FFF2-40B4-BE49-F238E27FC236}">
-                <a16:creationId xmlns:a16="http://schemas.microsoft.com/office/drawing/2014/main" id="{D6BFA893-D723-720B-B75B-13A40A68C697}"/>
+                <a16:creationId xmlns:a16="http://schemas.microsoft.com/office/drawing/2014/main" id="{628B3E92-3704-AF9D-B349-1287A46CE5EA}"/>
               </a:ext>
             </a:extLst>
           </p:cNvPr>
@@ -712,7 +712,7 @@
           <a:bodyPr/>
           <a:lstStyle/>
           <a:p>
-            <a:fld id="{6E06647B-775C-412D-9E30-CB7CC3FDB70E}" type="slidenum">
+            <a:fld id="{A80E24B3-0E9F-4828-9080-291241CD2A3E}" type="slidenum">
               <a:rPr lang="zh-CN" altLang="en-US" smtClean="0"/>
               <a:t>‹#›</a:t>
             </a:fld>
@@ -723,7 +723,7 @@
     </p:spTree>
     <p:extLst>
       <p:ext uri="{BB962C8B-B14F-4D97-AF65-F5344CB8AC3E}">
-        <p14:creationId xmlns:p14="http://schemas.microsoft.com/office/powerpoint/2010/main" val="3429199669"/>
+        <p14:creationId xmlns:p14="http://schemas.microsoft.com/office/powerpoint/2010/main" val="1648553589"/>
       </p:ext>
     </p:extLst>
   </p:cSld>
@@ -755,7 +755,7 @@
           <p:cNvPr id="2" name="标题 1">
             <a:extLst>
               <a:ext uri="{FF2B5EF4-FFF2-40B4-BE49-F238E27FC236}">
-                <a16:creationId xmlns:a16="http://schemas.microsoft.com/office/drawing/2014/main" id="{4D7E3C69-5762-DAF1-D95D-8774DE1C8438}"/>
+                <a16:creationId xmlns:a16="http://schemas.microsoft.com/office/drawing/2014/main" id="{7F4ED58F-7F04-F048-16DA-EDAD58538ABE}"/>
               </a:ext>
             </a:extLst>
           </p:cNvPr>
@@ -783,7 +783,7 @@
           <p:cNvPr id="3" name="内容占位符 2">
             <a:extLst>
               <a:ext uri="{FF2B5EF4-FFF2-40B4-BE49-F238E27FC236}">
-                <a16:creationId xmlns:a16="http://schemas.microsoft.com/office/drawing/2014/main" id="{C29C9AA8-73C9-6A34-4252-0A71C8EDA3B7}"/>
+                <a16:creationId xmlns:a16="http://schemas.microsoft.com/office/drawing/2014/main" id="{4474CBE1-1E76-31BC-80A7-D1CA454950BC}"/>
               </a:ext>
             </a:extLst>
           </p:cNvPr>
@@ -840,7 +840,7 @@
           <p:cNvPr id="4" name="日期占位符 3">
             <a:extLst>
               <a:ext uri="{FF2B5EF4-FFF2-40B4-BE49-F238E27FC236}">
-                <a16:creationId xmlns:a16="http://schemas.microsoft.com/office/drawing/2014/main" id="{291C6220-0072-59A7-A6A1-505AEC14A1DF}"/>
+                <a16:creationId xmlns:a16="http://schemas.microsoft.com/office/drawing/2014/main" id="{EF490C2B-EC55-106A-A9E7-80D110A99D6D}"/>
               </a:ext>
             </a:extLst>
           </p:cNvPr>
@@ -856,7 +856,7 @@
           <a:bodyPr/>
           <a:lstStyle/>
           <a:p>
-            <a:fld id="{9BB246BC-5735-476B-BF41-A7FB57B58840}" type="datetimeFigureOut">
+            <a:fld id="{23C0CEAE-D9A3-43F3-909D-C134456CA0D7}" type="datetimeFigureOut">
               <a:rPr lang="zh-CN" altLang="en-US" smtClean="0"/>
               <a:t>2024/3/10</a:t>
             </a:fld>
@@ -869,7 +869,7 @@
           <p:cNvPr id="5" name="页脚占位符 4">
             <a:extLst>
               <a:ext uri="{FF2B5EF4-FFF2-40B4-BE49-F238E27FC236}">
-                <a16:creationId xmlns:a16="http://schemas.microsoft.com/office/drawing/2014/main" id="{80359681-A111-6D2B-EF31-BA67481B5D13}"/>
+                <a16:creationId xmlns:a16="http://schemas.microsoft.com/office/drawing/2014/main" id="{C961325E-23B4-CD3B-48AA-865AE75A0977}"/>
               </a:ext>
             </a:extLst>
           </p:cNvPr>
@@ -894,7 +894,7 @@
           <p:cNvPr id="6" name="灯片编号占位符 5">
             <a:extLst>
               <a:ext uri="{FF2B5EF4-FFF2-40B4-BE49-F238E27FC236}">
-                <a16:creationId xmlns:a16="http://schemas.microsoft.com/office/drawing/2014/main" id="{2F70F3DB-8EFB-0B49-C70C-77A9632855DB}"/>
+                <a16:creationId xmlns:a16="http://schemas.microsoft.com/office/drawing/2014/main" id="{AA960F29-A9E0-AD66-DE80-A8F2A0B211E9}"/>
               </a:ext>
             </a:extLst>
           </p:cNvPr>
@@ -910,7 +910,7 @@
           <a:bodyPr/>
           <a:lstStyle/>
           <a:p>
-            <a:fld id="{6E06647B-775C-412D-9E30-CB7CC3FDB70E}" type="slidenum">
+            <a:fld id="{A80E24B3-0E9F-4828-9080-291241CD2A3E}" type="slidenum">
               <a:rPr lang="zh-CN" altLang="en-US" smtClean="0"/>
               <a:t>‹#›</a:t>
             </a:fld>
@@ -921,7 +921,7 @@
     </p:spTree>
     <p:extLst>
       <p:ext uri="{BB962C8B-B14F-4D97-AF65-F5344CB8AC3E}">
-        <p14:creationId xmlns:p14="http://schemas.microsoft.com/office/powerpoint/2010/main" val="1596995623"/>
+        <p14:creationId xmlns:p14="http://schemas.microsoft.com/office/powerpoint/2010/main" val="2704895791"/>
       </p:ext>
     </p:extLst>
   </p:cSld>
@@ -953,7 +953,7 @@
           <p:cNvPr id="2" name="标题 1">
             <a:extLst>
               <a:ext uri="{FF2B5EF4-FFF2-40B4-BE49-F238E27FC236}">
-                <a16:creationId xmlns:a16="http://schemas.microsoft.com/office/drawing/2014/main" id="{588786AC-6A48-4AA6-B3F7-C4CE06466B93}"/>
+                <a16:creationId xmlns:a16="http://schemas.microsoft.com/office/drawing/2014/main" id="{0EA5DE32-794C-93D5-9EFB-3E13FD55C43E}"/>
               </a:ext>
             </a:extLst>
           </p:cNvPr>
@@ -990,7 +990,7 @@
           <p:cNvPr id="3" name="文本占位符 2">
             <a:extLst>
               <a:ext uri="{FF2B5EF4-FFF2-40B4-BE49-F238E27FC236}">
-                <a16:creationId xmlns:a16="http://schemas.microsoft.com/office/drawing/2014/main" id="{8DCF7AFF-5F0B-B1D5-A682-57ED08AB4B6C}"/>
+                <a16:creationId xmlns:a16="http://schemas.microsoft.com/office/drawing/2014/main" id="{13EED2FA-FE6E-93D4-49E8-77E97AA0CE72}"/>
               </a:ext>
             </a:extLst>
           </p:cNvPr>
@@ -1115,7 +1115,7 @@
           <p:cNvPr id="4" name="日期占位符 3">
             <a:extLst>
               <a:ext uri="{FF2B5EF4-FFF2-40B4-BE49-F238E27FC236}">
-                <a16:creationId xmlns:a16="http://schemas.microsoft.com/office/drawing/2014/main" id="{0ACA4569-8F99-B381-8EFC-04862F4BA01B}"/>
+                <a16:creationId xmlns:a16="http://schemas.microsoft.com/office/drawing/2014/main" id="{EDC83B3A-98AA-D593-3297-BD0BD28B55CD}"/>
               </a:ext>
             </a:extLst>
           </p:cNvPr>
@@ -1131,7 +1131,7 @@
           <a:bodyPr/>
           <a:lstStyle/>
           <a:p>
-            <a:fld id="{9BB246BC-5735-476B-BF41-A7FB57B58840}" type="datetimeFigureOut">
+            <a:fld id="{23C0CEAE-D9A3-43F3-909D-C134456CA0D7}" type="datetimeFigureOut">
               <a:rPr lang="zh-CN" altLang="en-US" smtClean="0"/>
               <a:t>2024/3/10</a:t>
             </a:fld>
@@ -1144,7 +1144,7 @@
           <p:cNvPr id="5" name="页脚占位符 4">
             <a:extLst>
               <a:ext uri="{FF2B5EF4-FFF2-40B4-BE49-F238E27FC236}">
-                <a16:creationId xmlns:a16="http://schemas.microsoft.com/office/drawing/2014/main" id="{3E4CA010-211A-0C98-D040-F282E227EC53}"/>
+                <a16:creationId xmlns:a16="http://schemas.microsoft.com/office/drawing/2014/main" id="{EB45B069-0903-7ACD-23F9-393894274156}"/>
               </a:ext>
             </a:extLst>
           </p:cNvPr>
@@ -1169,7 +1169,7 @@
           <p:cNvPr id="6" name="灯片编号占位符 5">
             <a:extLst>
               <a:ext uri="{FF2B5EF4-FFF2-40B4-BE49-F238E27FC236}">
-                <a16:creationId xmlns:a16="http://schemas.microsoft.com/office/drawing/2014/main" id="{3DB6DB84-311E-EAD9-99D0-F90F88977E8F}"/>
+                <a16:creationId xmlns:a16="http://schemas.microsoft.com/office/drawing/2014/main" id="{8A4A8D3D-3FEA-3494-43F1-2D43A3BCEB74}"/>
               </a:ext>
             </a:extLst>
           </p:cNvPr>
@@ -1185,7 +1185,7 @@
           <a:bodyPr/>
           <a:lstStyle/>
           <a:p>
-            <a:fld id="{6E06647B-775C-412D-9E30-CB7CC3FDB70E}" type="slidenum">
+            <a:fld id="{A80E24B3-0E9F-4828-9080-291241CD2A3E}" type="slidenum">
               <a:rPr lang="zh-CN" altLang="en-US" smtClean="0"/>
               <a:t>‹#›</a:t>
             </a:fld>
@@ -1196,7 +1196,7 @@
     </p:spTree>
     <p:extLst>
       <p:ext uri="{BB962C8B-B14F-4D97-AF65-F5344CB8AC3E}">
-        <p14:creationId xmlns:p14="http://schemas.microsoft.com/office/powerpoint/2010/main" val="1465366439"/>
+        <p14:creationId xmlns:p14="http://schemas.microsoft.com/office/powerpoint/2010/main" val="2066156631"/>
       </p:ext>
     </p:extLst>
   </p:cSld>
@@ -1228,7 +1228,7 @@
           <p:cNvPr id="2" name="标题 1">
             <a:extLst>
               <a:ext uri="{FF2B5EF4-FFF2-40B4-BE49-F238E27FC236}">
-                <a16:creationId xmlns:a16="http://schemas.microsoft.com/office/drawing/2014/main" id="{2D98DF5F-E2EF-A822-06C9-F837AB705164}"/>
+                <a16:creationId xmlns:a16="http://schemas.microsoft.com/office/drawing/2014/main" id="{65F98A7B-C95C-1A30-6EB1-0299CEEBB31D}"/>
               </a:ext>
             </a:extLst>
           </p:cNvPr>
@@ -1256,7 +1256,7 @@
           <p:cNvPr id="3" name="内容占位符 2">
             <a:extLst>
               <a:ext uri="{FF2B5EF4-FFF2-40B4-BE49-F238E27FC236}">
-                <a16:creationId xmlns:a16="http://schemas.microsoft.com/office/drawing/2014/main" id="{28DAE2C3-1F74-7CCC-73BC-8A066E6CD53F}"/>
+                <a16:creationId xmlns:a16="http://schemas.microsoft.com/office/drawing/2014/main" id="{D76BF3E1-003E-7C91-8FB3-A8B25C6B2320}"/>
               </a:ext>
             </a:extLst>
           </p:cNvPr>
@@ -1318,7 +1318,7 @@
           <p:cNvPr id="4" name="内容占位符 3">
             <a:extLst>
               <a:ext uri="{FF2B5EF4-FFF2-40B4-BE49-F238E27FC236}">
-                <a16:creationId xmlns:a16="http://schemas.microsoft.com/office/drawing/2014/main" id="{3F6D80BC-8CA3-C662-C082-A64ECAE0C147}"/>
+                <a16:creationId xmlns:a16="http://schemas.microsoft.com/office/drawing/2014/main" id="{E809837C-E365-E1BE-05C2-E87DC2ABEA2F}"/>
               </a:ext>
             </a:extLst>
           </p:cNvPr>
@@ -1380,7 +1380,7 @@
           <p:cNvPr id="5" name="日期占位符 4">
             <a:extLst>
               <a:ext uri="{FF2B5EF4-FFF2-40B4-BE49-F238E27FC236}">
-                <a16:creationId xmlns:a16="http://schemas.microsoft.com/office/drawing/2014/main" id="{F7FA7749-E375-1616-A0EF-1A6B4AA987A3}"/>
+                <a16:creationId xmlns:a16="http://schemas.microsoft.com/office/drawing/2014/main" id="{2DDF4012-5A0C-9AD9-5FF1-89A6F8EB8480}"/>
               </a:ext>
             </a:extLst>
           </p:cNvPr>
@@ -1396,7 +1396,7 @@
           <a:bodyPr/>
           <a:lstStyle/>
           <a:p>
-            <a:fld id="{9BB246BC-5735-476B-BF41-A7FB57B58840}" type="datetimeFigureOut">
+            <a:fld id="{23C0CEAE-D9A3-43F3-909D-C134456CA0D7}" type="datetimeFigureOut">
               <a:rPr lang="zh-CN" altLang="en-US" smtClean="0"/>
               <a:t>2024/3/10</a:t>
             </a:fld>
@@ -1409,7 +1409,7 @@
           <p:cNvPr id="6" name="页脚占位符 5">
             <a:extLst>
               <a:ext uri="{FF2B5EF4-FFF2-40B4-BE49-F238E27FC236}">
-                <a16:creationId xmlns:a16="http://schemas.microsoft.com/office/drawing/2014/main" id="{C496E510-DB09-FC84-4EE5-C3D1600F4937}"/>
+                <a16:creationId xmlns:a16="http://schemas.microsoft.com/office/drawing/2014/main" id="{3EA5CF0F-086E-AD20-D4CA-24CC7184242C}"/>
               </a:ext>
             </a:extLst>
           </p:cNvPr>
@@ -1434,7 +1434,7 @@
           <p:cNvPr id="7" name="灯片编号占位符 6">
             <a:extLst>
               <a:ext uri="{FF2B5EF4-FFF2-40B4-BE49-F238E27FC236}">
-                <a16:creationId xmlns:a16="http://schemas.microsoft.com/office/drawing/2014/main" id="{E1FBC2CE-E686-1296-3450-FD38792AC6A1}"/>
+                <a16:creationId xmlns:a16="http://schemas.microsoft.com/office/drawing/2014/main" id="{DF372A18-5878-A36B-E007-F0B82C58B5B8}"/>
               </a:ext>
             </a:extLst>
           </p:cNvPr>
@@ -1450,7 +1450,7 @@
           <a:bodyPr/>
           <a:lstStyle/>
           <a:p>
-            <a:fld id="{6E06647B-775C-412D-9E30-CB7CC3FDB70E}" type="slidenum">
+            <a:fld id="{A80E24B3-0E9F-4828-9080-291241CD2A3E}" type="slidenum">
               <a:rPr lang="zh-CN" altLang="en-US" smtClean="0"/>
               <a:t>‹#›</a:t>
             </a:fld>
@@ -1461,7 +1461,7 @@
     </p:spTree>
     <p:extLst>
       <p:ext uri="{BB962C8B-B14F-4D97-AF65-F5344CB8AC3E}">
-        <p14:creationId xmlns:p14="http://schemas.microsoft.com/office/powerpoint/2010/main" val="2347757250"/>
+        <p14:creationId xmlns:p14="http://schemas.microsoft.com/office/powerpoint/2010/main" val="3148392249"/>
       </p:ext>
     </p:extLst>
   </p:cSld>
@@ -1493,7 +1493,7 @@
           <p:cNvPr id="2" name="标题 1">
             <a:extLst>
               <a:ext uri="{FF2B5EF4-FFF2-40B4-BE49-F238E27FC236}">
-                <a16:creationId xmlns:a16="http://schemas.microsoft.com/office/drawing/2014/main" id="{6D3AD92D-2E6F-3264-0332-A4A440186383}"/>
+                <a16:creationId xmlns:a16="http://schemas.microsoft.com/office/drawing/2014/main" id="{EB3E951A-C844-20F2-B699-28690B1DDF00}"/>
               </a:ext>
             </a:extLst>
           </p:cNvPr>
@@ -1526,7 +1526,7 @@
           <p:cNvPr id="3" name="文本占位符 2">
             <a:extLst>
               <a:ext uri="{FF2B5EF4-FFF2-40B4-BE49-F238E27FC236}">
-                <a16:creationId xmlns:a16="http://schemas.microsoft.com/office/drawing/2014/main" id="{E39DA07D-9CA9-D5AD-AB5F-B5E33CF0373F}"/>
+                <a16:creationId xmlns:a16="http://schemas.microsoft.com/office/drawing/2014/main" id="{B0837906-E939-6EDF-D3BE-40CFBE4C68EB}"/>
               </a:ext>
             </a:extLst>
           </p:cNvPr>
@@ -1597,7 +1597,7 @@
           <p:cNvPr id="4" name="内容占位符 3">
             <a:extLst>
               <a:ext uri="{FF2B5EF4-FFF2-40B4-BE49-F238E27FC236}">
-                <a16:creationId xmlns:a16="http://schemas.microsoft.com/office/drawing/2014/main" id="{DEEB7B11-9D95-B46E-F807-AE3352A77939}"/>
+                <a16:creationId xmlns:a16="http://schemas.microsoft.com/office/drawing/2014/main" id="{427BD806-F362-8B10-4D08-8A19CFDE1441}"/>
               </a:ext>
             </a:extLst>
           </p:cNvPr>
@@ -1659,7 +1659,7 @@
           <p:cNvPr id="5" name="文本占位符 4">
             <a:extLst>
               <a:ext uri="{FF2B5EF4-FFF2-40B4-BE49-F238E27FC236}">
-                <a16:creationId xmlns:a16="http://schemas.microsoft.com/office/drawing/2014/main" id="{088303C8-36ED-BE48-3303-7D99E77B93C3}"/>
+                <a16:creationId xmlns:a16="http://schemas.microsoft.com/office/drawing/2014/main" id="{39ACD2C4-5C24-135A-2385-EDD39ED1CDA9}"/>
               </a:ext>
             </a:extLst>
           </p:cNvPr>
@@ -1730,7 +1730,7 @@
           <p:cNvPr id="6" name="内容占位符 5">
             <a:extLst>
               <a:ext uri="{FF2B5EF4-FFF2-40B4-BE49-F238E27FC236}">
-                <a16:creationId xmlns:a16="http://schemas.microsoft.com/office/drawing/2014/main" id="{C1D791CF-6C65-0D37-705C-061BDE2C2DAE}"/>
+                <a16:creationId xmlns:a16="http://schemas.microsoft.com/office/drawing/2014/main" id="{FC349F95-964F-2AE5-A5C0-D38C3BFFA0BE}"/>
               </a:ext>
             </a:extLst>
           </p:cNvPr>
@@ -1792,7 +1792,7 @@
           <p:cNvPr id="7" name="日期占位符 6">
             <a:extLst>
               <a:ext uri="{FF2B5EF4-FFF2-40B4-BE49-F238E27FC236}">
-                <a16:creationId xmlns:a16="http://schemas.microsoft.com/office/drawing/2014/main" id="{6BF0A6B8-3ABE-6824-B68F-8F479ED06873}"/>
+                <a16:creationId xmlns:a16="http://schemas.microsoft.com/office/drawing/2014/main" id="{E717876B-340B-8EAB-0BC3-1C2E00BC07AE}"/>
               </a:ext>
             </a:extLst>
           </p:cNvPr>
@@ -1808,7 +1808,7 @@
           <a:bodyPr/>
           <a:lstStyle/>
           <a:p>
-            <a:fld id="{9BB246BC-5735-476B-BF41-A7FB57B58840}" type="datetimeFigureOut">
+            <a:fld id="{23C0CEAE-D9A3-43F3-909D-C134456CA0D7}" type="datetimeFigureOut">
               <a:rPr lang="zh-CN" altLang="en-US" smtClean="0"/>
               <a:t>2024/3/10</a:t>
             </a:fld>
@@ -1821,7 +1821,7 @@
           <p:cNvPr id="8" name="页脚占位符 7">
             <a:extLst>
               <a:ext uri="{FF2B5EF4-FFF2-40B4-BE49-F238E27FC236}">
-                <a16:creationId xmlns:a16="http://schemas.microsoft.com/office/drawing/2014/main" id="{1B548FB1-3213-6F7D-D087-4311FB4EE4AE}"/>
+                <a16:creationId xmlns:a16="http://schemas.microsoft.com/office/drawing/2014/main" id="{463FFF36-F61B-F0EC-5EA6-61BC8E08C210}"/>
               </a:ext>
             </a:extLst>
           </p:cNvPr>
@@ -1846,7 +1846,7 @@
           <p:cNvPr id="9" name="灯片编号占位符 8">
             <a:extLst>
               <a:ext uri="{FF2B5EF4-FFF2-40B4-BE49-F238E27FC236}">
-                <a16:creationId xmlns:a16="http://schemas.microsoft.com/office/drawing/2014/main" id="{B0970658-C269-0994-6B7E-892C9071AD52}"/>
+                <a16:creationId xmlns:a16="http://schemas.microsoft.com/office/drawing/2014/main" id="{C97C689F-5C0A-AFDD-D893-3B4BD11F593A}"/>
               </a:ext>
             </a:extLst>
           </p:cNvPr>
@@ -1862,7 +1862,7 @@
           <a:bodyPr/>
           <a:lstStyle/>
           <a:p>
-            <a:fld id="{6E06647B-775C-412D-9E30-CB7CC3FDB70E}" type="slidenum">
+            <a:fld id="{A80E24B3-0E9F-4828-9080-291241CD2A3E}" type="slidenum">
               <a:rPr lang="zh-CN" altLang="en-US" smtClean="0"/>
               <a:t>‹#›</a:t>
             </a:fld>
@@ -1873,7 +1873,7 @@
     </p:spTree>
     <p:extLst>
       <p:ext uri="{BB962C8B-B14F-4D97-AF65-F5344CB8AC3E}">
-        <p14:creationId xmlns:p14="http://schemas.microsoft.com/office/powerpoint/2010/main" val="472924046"/>
+        <p14:creationId xmlns:p14="http://schemas.microsoft.com/office/powerpoint/2010/main" val="1463383443"/>
       </p:ext>
     </p:extLst>
   </p:cSld>
@@ -1905,7 +1905,7 @@
           <p:cNvPr id="2" name="标题 1">
             <a:extLst>
               <a:ext uri="{FF2B5EF4-FFF2-40B4-BE49-F238E27FC236}">
-                <a16:creationId xmlns:a16="http://schemas.microsoft.com/office/drawing/2014/main" id="{31120198-932A-0913-DA29-159540BECBF8}"/>
+                <a16:creationId xmlns:a16="http://schemas.microsoft.com/office/drawing/2014/main" id="{68EB5E4C-CB7C-B2A2-572B-B9DB355CBE6C}"/>
               </a:ext>
             </a:extLst>
           </p:cNvPr>
@@ -1933,7 +1933,7 @@
           <p:cNvPr id="3" name="日期占位符 2">
             <a:extLst>
               <a:ext uri="{FF2B5EF4-FFF2-40B4-BE49-F238E27FC236}">
-                <a16:creationId xmlns:a16="http://schemas.microsoft.com/office/drawing/2014/main" id="{F9F9F861-CF41-0C8F-EA7B-741A0A47A07B}"/>
+                <a16:creationId xmlns:a16="http://schemas.microsoft.com/office/drawing/2014/main" id="{92D60E47-906F-7C5B-9EC2-FC8822641D07}"/>
               </a:ext>
             </a:extLst>
           </p:cNvPr>
@@ -1949,7 +1949,7 @@
           <a:bodyPr/>
           <a:lstStyle/>
           <a:p>
-            <a:fld id="{9BB246BC-5735-476B-BF41-A7FB57B58840}" type="datetimeFigureOut">
+            <a:fld id="{23C0CEAE-D9A3-43F3-909D-C134456CA0D7}" type="datetimeFigureOut">
               <a:rPr lang="zh-CN" altLang="en-US" smtClean="0"/>
               <a:t>2024/3/10</a:t>
             </a:fld>
@@ -1962,7 +1962,7 @@
           <p:cNvPr id="4" name="页脚占位符 3">
             <a:extLst>
               <a:ext uri="{FF2B5EF4-FFF2-40B4-BE49-F238E27FC236}">
-                <a16:creationId xmlns:a16="http://schemas.microsoft.com/office/drawing/2014/main" id="{56FBFD1E-0B49-0C99-5C59-8BC63687E8E4}"/>
+                <a16:creationId xmlns:a16="http://schemas.microsoft.com/office/drawing/2014/main" id="{630127A0-A4DA-41F0-D388-30E23A298BE9}"/>
               </a:ext>
             </a:extLst>
           </p:cNvPr>
@@ -1987,7 +1987,7 @@
           <p:cNvPr id="5" name="灯片编号占位符 4">
             <a:extLst>
               <a:ext uri="{FF2B5EF4-FFF2-40B4-BE49-F238E27FC236}">
-                <a16:creationId xmlns:a16="http://schemas.microsoft.com/office/drawing/2014/main" id="{C94D8BFD-3A7B-DFBB-8FC2-D333E49C0DFC}"/>
+                <a16:creationId xmlns:a16="http://schemas.microsoft.com/office/drawing/2014/main" id="{EADCA4A0-5676-02C1-D0E5-1F67B3C76B58}"/>
               </a:ext>
             </a:extLst>
           </p:cNvPr>
@@ -2003,7 +2003,7 @@
           <a:bodyPr/>
           <a:lstStyle/>
           <a:p>
-            <a:fld id="{6E06647B-775C-412D-9E30-CB7CC3FDB70E}" type="slidenum">
+            <a:fld id="{A80E24B3-0E9F-4828-9080-291241CD2A3E}" type="slidenum">
               <a:rPr lang="zh-CN" altLang="en-US" smtClean="0"/>
               <a:t>‹#›</a:t>
             </a:fld>
@@ -2014,7 +2014,7 @@
     </p:spTree>
     <p:extLst>
       <p:ext uri="{BB962C8B-B14F-4D97-AF65-F5344CB8AC3E}">
-        <p14:creationId xmlns:p14="http://schemas.microsoft.com/office/powerpoint/2010/main" val="3351179461"/>
+        <p14:creationId xmlns:p14="http://schemas.microsoft.com/office/powerpoint/2010/main" val="2689617811"/>
       </p:ext>
     </p:extLst>
   </p:cSld>
@@ -2046,7 +2046,7 @@
           <p:cNvPr id="2" name="日期占位符 1">
             <a:extLst>
               <a:ext uri="{FF2B5EF4-FFF2-40B4-BE49-F238E27FC236}">
-                <a16:creationId xmlns:a16="http://schemas.microsoft.com/office/drawing/2014/main" id="{5113466D-0E10-6F02-B410-D105D4632267}"/>
+                <a16:creationId xmlns:a16="http://schemas.microsoft.com/office/drawing/2014/main" id="{2C446644-82E3-6D3E-1417-726A667F7527}"/>
               </a:ext>
             </a:extLst>
           </p:cNvPr>
@@ -2062,7 +2062,7 @@
           <a:bodyPr/>
           <a:lstStyle/>
           <a:p>
-            <a:fld id="{9BB246BC-5735-476B-BF41-A7FB57B58840}" type="datetimeFigureOut">
+            <a:fld id="{23C0CEAE-D9A3-43F3-909D-C134456CA0D7}" type="datetimeFigureOut">
               <a:rPr lang="zh-CN" altLang="en-US" smtClean="0"/>
               <a:t>2024/3/10</a:t>
             </a:fld>
@@ -2075,7 +2075,7 @@
           <p:cNvPr id="3" name="页脚占位符 2">
             <a:extLst>
               <a:ext uri="{FF2B5EF4-FFF2-40B4-BE49-F238E27FC236}">
-                <a16:creationId xmlns:a16="http://schemas.microsoft.com/office/drawing/2014/main" id="{CFF03A4F-F907-B0B9-1346-BE8BA19852A3}"/>
+                <a16:creationId xmlns:a16="http://schemas.microsoft.com/office/drawing/2014/main" id="{97063C90-7BD5-19AA-AB72-00E821850EAD}"/>
               </a:ext>
             </a:extLst>
           </p:cNvPr>
@@ -2100,7 +2100,7 @@
           <p:cNvPr id="4" name="灯片编号占位符 3">
             <a:extLst>
               <a:ext uri="{FF2B5EF4-FFF2-40B4-BE49-F238E27FC236}">
-                <a16:creationId xmlns:a16="http://schemas.microsoft.com/office/drawing/2014/main" id="{E3D2BC3A-23C2-C3A9-1B17-D21F4776CB19}"/>
+                <a16:creationId xmlns:a16="http://schemas.microsoft.com/office/drawing/2014/main" id="{2F494EAC-A5C3-93F6-E6A0-BD792ABC2BAE}"/>
               </a:ext>
             </a:extLst>
           </p:cNvPr>
@@ -2116,7 +2116,7 @@
           <a:bodyPr/>
           <a:lstStyle/>
           <a:p>
-            <a:fld id="{6E06647B-775C-412D-9E30-CB7CC3FDB70E}" type="slidenum">
+            <a:fld id="{A80E24B3-0E9F-4828-9080-291241CD2A3E}" type="slidenum">
               <a:rPr lang="zh-CN" altLang="en-US" smtClean="0"/>
               <a:t>‹#›</a:t>
             </a:fld>
@@ -2127,7 +2127,7 @@
     </p:spTree>
     <p:extLst>
       <p:ext uri="{BB962C8B-B14F-4D97-AF65-F5344CB8AC3E}">
-        <p14:creationId xmlns:p14="http://schemas.microsoft.com/office/powerpoint/2010/main" val="611209583"/>
+        <p14:creationId xmlns:p14="http://schemas.microsoft.com/office/powerpoint/2010/main" val="1203545899"/>
       </p:ext>
     </p:extLst>
   </p:cSld>
@@ -2159,7 +2159,7 @@
           <p:cNvPr id="2" name="标题 1">
             <a:extLst>
               <a:ext uri="{FF2B5EF4-FFF2-40B4-BE49-F238E27FC236}">
-                <a16:creationId xmlns:a16="http://schemas.microsoft.com/office/drawing/2014/main" id="{C4F353EA-4723-C76D-37D9-C36ABDCBC67F}"/>
+                <a16:creationId xmlns:a16="http://schemas.microsoft.com/office/drawing/2014/main" id="{82D3B380-4738-A781-44F3-5DFF48949890}"/>
               </a:ext>
             </a:extLst>
           </p:cNvPr>
@@ -2196,7 +2196,7 @@
           <p:cNvPr id="3" name="内容占位符 2">
             <a:extLst>
               <a:ext uri="{FF2B5EF4-FFF2-40B4-BE49-F238E27FC236}">
-                <a16:creationId xmlns:a16="http://schemas.microsoft.com/office/drawing/2014/main" id="{41487660-B369-2038-9F82-F976776D96B4}"/>
+                <a16:creationId xmlns:a16="http://schemas.microsoft.com/office/drawing/2014/main" id="{44331EC8-F309-DF24-03FA-8FC752C2730C}"/>
               </a:ext>
             </a:extLst>
           </p:cNvPr>
@@ -2286,7 +2286,7 @@
           <p:cNvPr id="4" name="文本占位符 3">
             <a:extLst>
               <a:ext uri="{FF2B5EF4-FFF2-40B4-BE49-F238E27FC236}">
-                <a16:creationId xmlns:a16="http://schemas.microsoft.com/office/drawing/2014/main" id="{D314CA99-B627-AAB6-0A1E-53EAA7D82502}"/>
+                <a16:creationId xmlns:a16="http://schemas.microsoft.com/office/drawing/2014/main" id="{BC8B9309-219A-A648-1D51-1E24CB463BD6}"/>
               </a:ext>
             </a:extLst>
           </p:cNvPr>
@@ -2357,7 +2357,7 @@
           <p:cNvPr id="5" name="日期占位符 4">
             <a:extLst>
               <a:ext uri="{FF2B5EF4-FFF2-40B4-BE49-F238E27FC236}">
-                <a16:creationId xmlns:a16="http://schemas.microsoft.com/office/drawing/2014/main" id="{F2D6588B-71C3-7DB0-19AC-99CDA62BDA44}"/>
+                <a16:creationId xmlns:a16="http://schemas.microsoft.com/office/drawing/2014/main" id="{A5D2BC68-FA40-1A84-C5B0-B019AF0E7691}"/>
               </a:ext>
             </a:extLst>
           </p:cNvPr>
@@ -2373,7 +2373,7 @@
           <a:bodyPr/>
           <a:lstStyle/>
           <a:p>
-            <a:fld id="{9BB246BC-5735-476B-BF41-A7FB57B58840}" type="datetimeFigureOut">
+            <a:fld id="{23C0CEAE-D9A3-43F3-909D-C134456CA0D7}" type="datetimeFigureOut">
               <a:rPr lang="zh-CN" altLang="en-US" smtClean="0"/>
               <a:t>2024/3/10</a:t>
             </a:fld>
@@ -2386,7 +2386,7 @@
           <p:cNvPr id="6" name="页脚占位符 5">
             <a:extLst>
               <a:ext uri="{FF2B5EF4-FFF2-40B4-BE49-F238E27FC236}">
-                <a16:creationId xmlns:a16="http://schemas.microsoft.com/office/drawing/2014/main" id="{E9C50B05-16BB-3498-8CDB-524FBC4FB506}"/>
+                <a16:creationId xmlns:a16="http://schemas.microsoft.com/office/drawing/2014/main" id="{C9C159E3-01F4-CACC-4DC3-389C78B01A79}"/>
               </a:ext>
             </a:extLst>
           </p:cNvPr>
@@ -2411,7 +2411,7 @@
           <p:cNvPr id="7" name="灯片编号占位符 6">
             <a:extLst>
               <a:ext uri="{FF2B5EF4-FFF2-40B4-BE49-F238E27FC236}">
-                <a16:creationId xmlns:a16="http://schemas.microsoft.com/office/drawing/2014/main" id="{35024E57-B5E6-4D03-5F82-04B708282C32}"/>
+                <a16:creationId xmlns:a16="http://schemas.microsoft.com/office/drawing/2014/main" id="{B15EC8D1-6F21-E2EC-A5D8-799BEA203B67}"/>
               </a:ext>
             </a:extLst>
           </p:cNvPr>
@@ -2427,7 +2427,7 @@
           <a:bodyPr/>
           <a:lstStyle/>
           <a:p>
-            <a:fld id="{6E06647B-775C-412D-9E30-CB7CC3FDB70E}" type="slidenum">
+            <a:fld id="{A80E24B3-0E9F-4828-9080-291241CD2A3E}" type="slidenum">
               <a:rPr lang="zh-CN" altLang="en-US" smtClean="0"/>
               <a:t>‹#›</a:t>
             </a:fld>
@@ -2438,7 +2438,7 @@
     </p:spTree>
     <p:extLst>
       <p:ext uri="{BB962C8B-B14F-4D97-AF65-F5344CB8AC3E}">
-        <p14:creationId xmlns:p14="http://schemas.microsoft.com/office/powerpoint/2010/main" val="4084212092"/>
+        <p14:creationId xmlns:p14="http://schemas.microsoft.com/office/powerpoint/2010/main" val="1764203565"/>
       </p:ext>
     </p:extLst>
   </p:cSld>
@@ -2470,7 +2470,7 @@
           <p:cNvPr id="2" name="标题 1">
             <a:extLst>
               <a:ext uri="{FF2B5EF4-FFF2-40B4-BE49-F238E27FC236}">
-                <a16:creationId xmlns:a16="http://schemas.microsoft.com/office/drawing/2014/main" id="{FB562171-363A-B1CA-BA25-8E7DFAA1DDE3}"/>
+                <a16:creationId xmlns:a16="http://schemas.microsoft.com/office/drawing/2014/main" id="{CB19271E-C602-A1EE-F641-E3CB9D11EE3A}"/>
               </a:ext>
             </a:extLst>
           </p:cNvPr>
@@ -2507,7 +2507,7 @@
           <p:cNvPr id="3" name="图片占位符 2">
             <a:extLst>
               <a:ext uri="{FF2B5EF4-FFF2-40B4-BE49-F238E27FC236}">
-                <a16:creationId xmlns:a16="http://schemas.microsoft.com/office/drawing/2014/main" id="{B7305485-32EF-B1E9-5D03-189BAEFB79B3}"/>
+                <a16:creationId xmlns:a16="http://schemas.microsoft.com/office/drawing/2014/main" id="{0FF8B875-E9F3-EAA2-747E-CBE53E4A0163}"/>
               </a:ext>
             </a:extLst>
           </p:cNvPr>
@@ -2574,7 +2574,7 @@
           <p:cNvPr id="4" name="文本占位符 3">
             <a:extLst>
               <a:ext uri="{FF2B5EF4-FFF2-40B4-BE49-F238E27FC236}">
-                <a16:creationId xmlns:a16="http://schemas.microsoft.com/office/drawing/2014/main" id="{0EF637C9-7DB7-2D96-C097-882BD5E3CE80}"/>
+                <a16:creationId xmlns:a16="http://schemas.microsoft.com/office/drawing/2014/main" id="{D8BAB7C7-1A21-0E92-4E0C-7123A94B7999}"/>
               </a:ext>
             </a:extLst>
           </p:cNvPr>
@@ -2645,7 +2645,7 @@
           <p:cNvPr id="5" name="日期占位符 4">
             <a:extLst>
               <a:ext uri="{FF2B5EF4-FFF2-40B4-BE49-F238E27FC236}">
-                <a16:creationId xmlns:a16="http://schemas.microsoft.com/office/drawing/2014/main" id="{5DA0AA7F-6430-FAF1-3485-D430020991C2}"/>
+                <a16:creationId xmlns:a16="http://schemas.microsoft.com/office/drawing/2014/main" id="{02D02F32-F621-49BC-F834-E6FCC101E838}"/>
               </a:ext>
             </a:extLst>
           </p:cNvPr>
@@ -2661,7 +2661,7 @@
           <a:bodyPr/>
           <a:lstStyle/>
           <a:p>
-            <a:fld id="{9BB246BC-5735-476B-BF41-A7FB57B58840}" type="datetimeFigureOut">
+            <a:fld id="{23C0CEAE-D9A3-43F3-909D-C134456CA0D7}" type="datetimeFigureOut">
               <a:rPr lang="zh-CN" altLang="en-US" smtClean="0"/>
               <a:t>2024/3/10</a:t>
             </a:fld>
@@ -2674,7 +2674,7 @@
           <p:cNvPr id="6" name="页脚占位符 5">
             <a:extLst>
               <a:ext uri="{FF2B5EF4-FFF2-40B4-BE49-F238E27FC236}">
-                <a16:creationId xmlns:a16="http://schemas.microsoft.com/office/drawing/2014/main" id="{DF9E2A6D-E7D5-0C76-1A48-53166D43EBC0}"/>
+                <a16:creationId xmlns:a16="http://schemas.microsoft.com/office/drawing/2014/main" id="{08F1B186-D45C-8BC6-A958-10E5A062EDD8}"/>
               </a:ext>
             </a:extLst>
           </p:cNvPr>
@@ -2699,7 +2699,7 @@
           <p:cNvPr id="7" name="灯片编号占位符 6">
             <a:extLst>
               <a:ext uri="{FF2B5EF4-FFF2-40B4-BE49-F238E27FC236}">
-                <a16:creationId xmlns:a16="http://schemas.microsoft.com/office/drawing/2014/main" id="{6D27417B-5738-FEDE-57DC-791B083F4A10}"/>
+                <a16:creationId xmlns:a16="http://schemas.microsoft.com/office/drawing/2014/main" id="{80A33E1F-B0AD-C11C-EABF-B82C7F908D00}"/>
               </a:ext>
             </a:extLst>
           </p:cNvPr>
@@ -2715,7 +2715,7 @@
           <a:bodyPr/>
           <a:lstStyle/>
           <a:p>
-            <a:fld id="{6E06647B-775C-412D-9E30-CB7CC3FDB70E}" type="slidenum">
+            <a:fld id="{A80E24B3-0E9F-4828-9080-291241CD2A3E}" type="slidenum">
               <a:rPr lang="zh-CN" altLang="en-US" smtClean="0"/>
               <a:t>‹#›</a:t>
             </a:fld>
@@ -2726,7 +2726,7 @@
     </p:spTree>
     <p:extLst>
       <p:ext uri="{BB962C8B-B14F-4D97-AF65-F5344CB8AC3E}">
-        <p14:creationId xmlns:p14="http://schemas.microsoft.com/office/powerpoint/2010/main" val="1278465037"/>
+        <p14:creationId xmlns:p14="http://schemas.microsoft.com/office/powerpoint/2010/main" val="4206734053"/>
       </p:ext>
     </p:extLst>
   </p:cSld>
@@ -2763,7 +2763,7 @@
           <p:cNvPr id="2" name="标题占位符 1">
             <a:extLst>
               <a:ext uri="{FF2B5EF4-FFF2-40B4-BE49-F238E27FC236}">
-                <a16:creationId xmlns:a16="http://schemas.microsoft.com/office/drawing/2014/main" id="{687ADD0E-CE4D-A8E5-3EE7-582DD13E40BD}"/>
+                <a16:creationId xmlns:a16="http://schemas.microsoft.com/office/drawing/2014/main" id="{E147534E-62C4-7ED9-2938-1C5E90BAA411}"/>
               </a:ext>
             </a:extLst>
           </p:cNvPr>
@@ -2801,7 +2801,7 @@
           <p:cNvPr id="3" name="文本占位符 2">
             <a:extLst>
               <a:ext uri="{FF2B5EF4-FFF2-40B4-BE49-F238E27FC236}">
-                <a16:creationId xmlns:a16="http://schemas.microsoft.com/office/drawing/2014/main" id="{ECD7D5C1-1874-DFE8-55CA-AF5AEFFBF0CD}"/>
+                <a16:creationId xmlns:a16="http://schemas.microsoft.com/office/drawing/2014/main" id="{2464804B-7A34-AA10-8305-1BC105899215}"/>
               </a:ext>
             </a:extLst>
           </p:cNvPr>
@@ -2868,7 +2868,7 @@
           <p:cNvPr id="4" name="日期占位符 3">
             <a:extLst>
               <a:ext uri="{FF2B5EF4-FFF2-40B4-BE49-F238E27FC236}">
-                <a16:creationId xmlns:a16="http://schemas.microsoft.com/office/drawing/2014/main" id="{981C72D5-6A74-4C7C-CE4E-0DD6FC9BB676}"/>
+                <a16:creationId xmlns:a16="http://schemas.microsoft.com/office/drawing/2014/main" id="{6D8F9742-208C-239A-EEA4-6A07093ECB1B}"/>
               </a:ext>
             </a:extLst>
           </p:cNvPr>
@@ -2902,7 +2902,7 @@
             </a:lvl1pPr>
           </a:lstStyle>
           <a:p>
-            <a:fld id="{9BB246BC-5735-476B-BF41-A7FB57B58840}" type="datetimeFigureOut">
+            <a:fld id="{23C0CEAE-D9A3-43F3-909D-C134456CA0D7}" type="datetimeFigureOut">
               <a:rPr lang="zh-CN" altLang="en-US" smtClean="0"/>
               <a:t>2024/3/10</a:t>
             </a:fld>
@@ -2915,7 +2915,7 @@
           <p:cNvPr id="5" name="页脚占位符 4">
             <a:extLst>
               <a:ext uri="{FF2B5EF4-FFF2-40B4-BE49-F238E27FC236}">
-                <a16:creationId xmlns:a16="http://schemas.microsoft.com/office/drawing/2014/main" id="{B2A35EA1-A52E-18F2-9D85-1983B4676175}"/>
+                <a16:creationId xmlns:a16="http://schemas.microsoft.com/office/drawing/2014/main" id="{9CAFAB87-DD1E-FDA2-ABD9-4315F8D99FAC}"/>
               </a:ext>
             </a:extLst>
           </p:cNvPr>
@@ -2958,7 +2958,7 @@
           <p:cNvPr id="6" name="灯片编号占位符 5">
             <a:extLst>
               <a:ext uri="{FF2B5EF4-FFF2-40B4-BE49-F238E27FC236}">
-                <a16:creationId xmlns:a16="http://schemas.microsoft.com/office/drawing/2014/main" id="{D8F808F8-5289-B219-8B31-35C430F0DF05}"/>
+                <a16:creationId xmlns:a16="http://schemas.microsoft.com/office/drawing/2014/main" id="{3E23379E-7C87-AECA-BEA6-1B3BBF6D2CAC}"/>
               </a:ext>
             </a:extLst>
           </p:cNvPr>
@@ -2992,7 +2992,7 @@
             </a:lvl1pPr>
           </a:lstStyle>
           <a:p>
-            <a:fld id="{6E06647B-775C-412D-9E30-CB7CC3FDB70E}" type="slidenum">
+            <a:fld id="{A80E24B3-0E9F-4828-9080-291241CD2A3E}" type="slidenum">
               <a:rPr lang="zh-CN" altLang="en-US" smtClean="0"/>
               <a:t>‹#›</a:t>
             </a:fld>
@@ -3003,7 +3003,7 @@
     </p:spTree>
     <p:extLst>
       <p:ext uri="{BB962C8B-B14F-4D97-AF65-F5344CB8AC3E}">
-        <p14:creationId xmlns:p14="http://schemas.microsoft.com/office/powerpoint/2010/main" val="2476601209"/>
+        <p14:creationId xmlns:p14="http://schemas.microsoft.com/office/powerpoint/2010/main" val="434231308"/>
       </p:ext>
     </p:extLst>
   </p:cSld>
